--- a/WebContent/WEB-INF/templates/25th Anniversary/postUnison.pptx
+++ b/WebContent/WEB-INF/templates/25th Anniversary/postUnison.pptx
@@ -219,7 +219,7 @@
           <a:p>
             <a:fld id="{B4297479-840D-294F-9C08-55F5B586E708}" type="datetimeFigureOut">
               <a:rPr lang="en-US" smtClean="0"/>
-              <a:t>3/18/17</a:t>
+              <a:t>5/13/17</a:t>
             </a:fld>
             <a:endParaRPr lang="en-US"/>
           </a:p>
@@ -668,7 +668,7 @@
           <a:p>
             <a:fld id="{30F42486-D2A3-2447-A496-D33DD53C7227}" type="datetimeFigureOut">
               <a:rPr lang="en-US" smtClean="0"/>
-              <a:t>3/18/17</a:t>
+              <a:t>5/13/17</a:t>
             </a:fld>
             <a:endParaRPr lang="en-US"/>
           </a:p>
@@ -838,7 +838,7 @@
           <a:p>
             <a:fld id="{30F42486-D2A3-2447-A496-D33DD53C7227}" type="datetimeFigureOut">
               <a:rPr lang="en-US" smtClean="0"/>
-              <a:t>3/18/17</a:t>
+              <a:t>5/13/17</a:t>
             </a:fld>
             <a:endParaRPr lang="en-US"/>
           </a:p>
@@ -1018,7 +1018,7 @@
           <a:p>
             <a:fld id="{30F42486-D2A3-2447-A496-D33DD53C7227}" type="datetimeFigureOut">
               <a:rPr lang="en-US" smtClean="0"/>
-              <a:t>3/18/17</a:t>
+              <a:t>5/13/17</a:t>
             </a:fld>
             <a:endParaRPr lang="en-US"/>
           </a:p>
@@ -1188,7 +1188,7 @@
           <a:p>
             <a:fld id="{30F42486-D2A3-2447-A496-D33DD53C7227}" type="datetimeFigureOut">
               <a:rPr lang="en-US" smtClean="0"/>
-              <a:t>3/18/17</a:t>
+              <a:t>5/13/17</a:t>
             </a:fld>
             <a:endParaRPr lang="en-US"/>
           </a:p>
@@ -1434,7 +1434,7 @@
           <a:p>
             <a:fld id="{30F42486-D2A3-2447-A496-D33DD53C7227}" type="datetimeFigureOut">
               <a:rPr lang="en-US" smtClean="0"/>
-              <a:t>3/18/17</a:t>
+              <a:t>5/13/17</a:t>
             </a:fld>
             <a:endParaRPr lang="en-US"/>
           </a:p>
@@ -1722,7 +1722,7 @@
           <a:p>
             <a:fld id="{30F42486-D2A3-2447-A496-D33DD53C7227}" type="datetimeFigureOut">
               <a:rPr lang="en-US" smtClean="0"/>
-              <a:t>3/18/17</a:t>
+              <a:t>5/13/17</a:t>
             </a:fld>
             <a:endParaRPr lang="en-US"/>
           </a:p>
@@ -2144,7 +2144,7 @@
           <a:p>
             <a:fld id="{30F42486-D2A3-2447-A496-D33DD53C7227}" type="datetimeFigureOut">
               <a:rPr lang="en-US" smtClean="0"/>
-              <a:t>3/18/17</a:t>
+              <a:t>5/13/17</a:t>
             </a:fld>
             <a:endParaRPr lang="en-US"/>
           </a:p>
@@ -2262,7 +2262,7 @@
           <a:p>
             <a:fld id="{30F42486-D2A3-2447-A496-D33DD53C7227}" type="datetimeFigureOut">
               <a:rPr lang="en-US" smtClean="0"/>
-              <a:t>3/18/17</a:t>
+              <a:t>5/13/17</a:t>
             </a:fld>
             <a:endParaRPr lang="en-US"/>
           </a:p>
@@ -2357,7 +2357,7 @@
           <a:p>
             <a:fld id="{30F42486-D2A3-2447-A496-D33DD53C7227}" type="datetimeFigureOut">
               <a:rPr lang="en-US" smtClean="0"/>
-              <a:t>3/18/17</a:t>
+              <a:t>5/13/17</a:t>
             </a:fld>
             <a:endParaRPr lang="en-US"/>
           </a:p>
@@ -2634,7 +2634,7 @@
           <a:p>
             <a:fld id="{30F42486-D2A3-2447-A496-D33DD53C7227}" type="datetimeFigureOut">
               <a:rPr lang="en-US" smtClean="0"/>
-              <a:t>3/18/17</a:t>
+              <a:t>5/13/17</a:t>
             </a:fld>
             <a:endParaRPr lang="en-US"/>
           </a:p>
@@ -2887,7 +2887,7 @@
           <a:p>
             <a:fld id="{30F42486-D2A3-2447-A496-D33DD53C7227}" type="datetimeFigureOut">
               <a:rPr lang="en-US" smtClean="0"/>
-              <a:t>3/18/17</a:t>
+              <a:t>5/13/17</a:t>
             </a:fld>
             <a:endParaRPr lang="en-US"/>
           </a:p>
@@ -3100,7 +3100,7 @@
           <a:p>
             <a:fld id="{30F42486-D2A3-2447-A496-D33DD53C7227}" type="datetimeFigureOut">
               <a:rPr lang="en-US" smtClean="0"/>
-              <a:t>3/18/17</a:t>
+              <a:t>5/13/17</a:t>
             </a:fld>
             <a:endParaRPr lang="en-US"/>
           </a:p>
@@ -3509,17 +3509,6 @@
               </a:rPr>
               <a:t>Unison</a:t>
             </a:r>
-            <a:endParaRPr lang="en-US" sz="2400" b="1" i="1" kern="0" dirty="0">
-              <a:solidFill>
-                <a:schemeClr val="tx1">
-                  <a:lumMod val="50000"/>
-                  <a:lumOff val="50000"/>
-                </a:schemeClr>
-              </a:solidFill>
-              <a:ea typeface="Arial"/>
-              <a:cs typeface="Arial"/>
-              <a:sym typeface="Arial"/>
-            </a:endParaRPr>
           </a:p>
         </p:txBody>
       </p:sp>
@@ -3617,35 +3606,6 @@
       </p:sp>
       <p:pic>
         <p:nvPicPr>
-          <p:cNvPr id="8" name="Picture 7"/>
-          <p:cNvPicPr>
-            <a:picLocks noChangeAspect="1"/>
-          </p:cNvPicPr>
-          <p:nvPr/>
-        </p:nvPicPr>
-        <p:blipFill rotWithShape="1">
-          <a:blip r:embed="rId2">
-            <a:extLst>
-              <a:ext uri="{28A0092B-C50C-407E-A947-70E740481C1C}">
-                <a14:useLocalDpi xmlns:a14="http://schemas.microsoft.com/office/drawing/2010/main" val="0"/>
-              </a:ext>
-            </a:extLst>
-          </a:blip>
-          <a:srcRect l="5103" t="12791" r="8163" b="6380"/>
-          <a:stretch/>
-        </p:blipFill>
-        <p:spPr>
-          <a:xfrm>
-            <a:off x="8079115" y="857250"/>
-            <a:ext cx="1041137" cy="1164733"/>
-          </a:xfrm>
-          <a:prstGeom prst="rect">
-            <a:avLst/>
-          </a:prstGeom>
-        </p:spPr>
-      </p:pic>
-      <p:pic>
-        <p:nvPicPr>
           <p:cNvPr id="9" name="Picture 8"/>
           <p:cNvPicPr>
             <a:picLocks noChangeAspect="1"/>
@@ -3653,7 +3613,7 @@
           <p:nvPr/>
         </p:nvPicPr>
         <p:blipFill>
-          <a:blip r:embed="rId3">
+          <a:blip r:embed="rId2">
             <a:extLst>
               <a:ext uri="{28A0092B-C50C-407E-A947-70E740481C1C}">
                 <a14:useLocalDpi xmlns:a14="http://schemas.microsoft.com/office/drawing/2010/main" val="0"/>
@@ -3682,7 +3642,7 @@
         </p:nvSpPr>
         <p:spPr>
           <a:xfrm>
-            <a:off x="18035" y="1797930"/>
+            <a:off x="-189315" y="2401006"/>
             <a:ext cx="9102212" cy="2517313"/>
           </a:xfrm>
           <a:prstGeom prst="rect">
@@ -4399,6 +4359,30 @@
           </a:p>
         </p:txBody>
       </p:sp>
+      <p:pic>
+        <p:nvPicPr>
+          <p:cNvPr id="10" name="Picture 9"/>
+          <p:cNvPicPr>
+            <a:picLocks noChangeAspect="1"/>
+          </p:cNvPicPr>
+          <p:nvPr/>
+        </p:nvPicPr>
+        <p:blipFill>
+          <a:blip r:embed="rId3"/>
+          <a:stretch>
+            <a:fillRect/>
+          </a:stretch>
+        </p:blipFill>
+        <p:spPr>
+          <a:xfrm>
+            <a:off x="7726054" y="867467"/>
+            <a:ext cx="1417946" cy="1533539"/>
+          </a:xfrm>
+          <a:prstGeom prst="rect">
+            <a:avLst/>
+          </a:prstGeom>
+        </p:spPr>
+      </p:pic>
     </p:spTree>
     <p:extLst>
       <p:ext uri="{BB962C8B-B14F-4D97-AF65-F5344CB8AC3E}">
@@ -4470,17 +4454,6 @@
               </a:rPr>
               <a:t>Unison</a:t>
             </a:r>
-            <a:endParaRPr lang="en-US" sz="2400" b="1" i="1" kern="0" dirty="0">
-              <a:solidFill>
-                <a:schemeClr val="tx1">
-                  <a:lumMod val="50000"/>
-                  <a:lumOff val="50000"/>
-                </a:schemeClr>
-              </a:solidFill>
-              <a:ea typeface="Arial"/>
-              <a:cs typeface="Arial"/>
-              <a:sym typeface="Arial"/>
-            </a:endParaRPr>
           </a:p>
         </p:txBody>
       </p:sp>
@@ -4543,16 +4516,6 @@
               </a:rPr>
               <a:t>, Narayana Narayana Om</a:t>
             </a:r>
-            <a:endParaRPr lang="en-US" b="1" i="1" kern="0" dirty="0">
-              <a:solidFill>
-                <a:schemeClr val="bg1">
-                  <a:lumMod val="50000"/>
-                </a:schemeClr>
-              </a:solidFill>
-              <a:ea typeface="Arial"/>
-              <a:cs typeface="Arial"/>
-              <a:sym typeface="Arial"/>
-            </a:endParaRPr>
           </a:p>
         </p:txBody>
       </p:sp>
@@ -4591,35 +4554,6 @@
       </p:sp>
       <p:pic>
         <p:nvPicPr>
-          <p:cNvPr id="8" name="Picture 7"/>
-          <p:cNvPicPr>
-            <a:picLocks noChangeAspect="1"/>
-          </p:cNvPicPr>
-          <p:nvPr/>
-        </p:nvPicPr>
-        <p:blipFill rotWithShape="1">
-          <a:blip r:embed="rId2">
-            <a:extLst>
-              <a:ext uri="{28A0092B-C50C-407E-A947-70E740481C1C}">
-                <a14:useLocalDpi xmlns:a14="http://schemas.microsoft.com/office/drawing/2010/main" val="0"/>
-              </a:ext>
-            </a:extLst>
-          </a:blip>
-          <a:srcRect l="5103" t="12791" r="8163" b="6380"/>
-          <a:stretch/>
-        </p:blipFill>
-        <p:spPr>
-          <a:xfrm>
-            <a:off x="8079115" y="857250"/>
-            <a:ext cx="1041137" cy="1164733"/>
-          </a:xfrm>
-          <a:prstGeom prst="rect">
-            <a:avLst/>
-          </a:prstGeom>
-        </p:spPr>
-      </p:pic>
-      <p:pic>
-        <p:nvPicPr>
           <p:cNvPr id="9" name="Picture 8"/>
           <p:cNvPicPr>
             <a:picLocks noChangeAspect="1"/>
@@ -4627,7 +4561,7 @@
           <p:nvPr/>
         </p:nvPicPr>
         <p:blipFill>
-          <a:blip r:embed="rId3">
+          <a:blip r:embed="rId2">
             <a:extLst>
               <a:ext uri="{28A0092B-C50C-407E-A947-70E740481C1C}">
                 <a14:useLocalDpi xmlns:a14="http://schemas.microsoft.com/office/drawing/2010/main" val="0"/>
@@ -4656,7 +4590,7 @@
         </p:nvSpPr>
         <p:spPr>
           <a:xfrm>
-            <a:off x="18035" y="1797930"/>
+            <a:off x="-17650" y="2068722"/>
             <a:ext cx="9102212" cy="2517313"/>
           </a:xfrm>
           <a:prstGeom prst="rect">
@@ -5113,17 +5047,33 @@
               </a:rPr>
               <a:t>.</a:t>
             </a:r>
-            <a:endParaRPr lang="en-US" i="1" kern="0" dirty="0">
-              <a:solidFill>
-                <a:srgbClr val="EA7600"/>
-              </a:solidFill>
-              <a:ea typeface="Arial"/>
-              <a:cs typeface="Arial"/>
-              <a:sym typeface="Arial"/>
-            </a:endParaRPr>
-          </a:p>
-        </p:txBody>
-      </p:sp>
+          </a:p>
+        </p:txBody>
+      </p:sp>
+      <p:pic>
+        <p:nvPicPr>
+          <p:cNvPr id="11" name="Picture 10"/>
+          <p:cNvPicPr>
+            <a:picLocks noChangeAspect="1"/>
+          </p:cNvPicPr>
+          <p:nvPr/>
+        </p:nvPicPr>
+        <p:blipFill>
+          <a:blip r:embed="rId3"/>
+          <a:stretch>
+            <a:fillRect/>
+          </a:stretch>
+        </p:blipFill>
+        <p:spPr>
+          <a:xfrm>
+            <a:off x="7714022" y="867467"/>
+            <a:ext cx="1417946" cy="1533539"/>
+          </a:xfrm>
+          <a:prstGeom prst="rect">
+            <a:avLst/>
+          </a:prstGeom>
+        </p:spPr>
+      </p:pic>
     </p:spTree>
     <p:extLst>
       <p:ext uri="{BB962C8B-B14F-4D97-AF65-F5344CB8AC3E}">
@@ -5195,17 +5145,6 @@
               </a:rPr>
               <a:t>Unison</a:t>
             </a:r>
-            <a:endParaRPr lang="en-US" sz="2400" b="1" i="1" kern="0" dirty="0">
-              <a:solidFill>
-                <a:schemeClr val="tx1">
-                  <a:lumMod val="50000"/>
-                  <a:lumOff val="50000"/>
-                </a:schemeClr>
-              </a:solidFill>
-              <a:ea typeface="Arial"/>
-              <a:cs typeface="Arial"/>
-              <a:sym typeface="Arial"/>
-            </a:endParaRPr>
           </a:p>
         </p:txBody>
       </p:sp>
@@ -5303,35 +5242,6 @@
       </p:sp>
       <p:pic>
         <p:nvPicPr>
-          <p:cNvPr id="8" name="Picture 7"/>
-          <p:cNvPicPr>
-            <a:picLocks noChangeAspect="1"/>
-          </p:cNvPicPr>
-          <p:nvPr/>
-        </p:nvPicPr>
-        <p:blipFill rotWithShape="1">
-          <a:blip r:embed="rId2">
-            <a:extLst>
-              <a:ext uri="{28A0092B-C50C-407E-A947-70E740481C1C}">
-                <a14:useLocalDpi xmlns:a14="http://schemas.microsoft.com/office/drawing/2010/main" val="0"/>
-              </a:ext>
-            </a:extLst>
-          </a:blip>
-          <a:srcRect l="5103" t="12791" r="8163" b="6380"/>
-          <a:stretch/>
-        </p:blipFill>
-        <p:spPr>
-          <a:xfrm>
-            <a:off x="8079115" y="857250"/>
-            <a:ext cx="1041137" cy="1164733"/>
-          </a:xfrm>
-          <a:prstGeom prst="rect">
-            <a:avLst/>
-          </a:prstGeom>
-        </p:spPr>
-      </p:pic>
-      <p:pic>
-        <p:nvPicPr>
           <p:cNvPr id="9" name="Picture 8"/>
           <p:cNvPicPr>
             <a:picLocks noChangeAspect="1"/>
@@ -5339,7 +5249,7 @@
           <p:nvPr/>
         </p:nvPicPr>
         <p:blipFill>
-          <a:blip r:embed="rId3">
+          <a:blip r:embed="rId2">
             <a:extLst>
               <a:ext uri="{28A0092B-C50C-407E-A947-70E740481C1C}">
                 <a14:useLocalDpi xmlns:a14="http://schemas.microsoft.com/office/drawing/2010/main" val="0"/>
@@ -5641,14 +5551,6 @@
               </a:rPr>
               <a:t>!</a:t>
             </a:r>
-            <a:endParaRPr lang="en-US" sz="2800" b="1" kern="0" dirty="0">
-              <a:solidFill>
-                <a:srgbClr val="004C97"/>
-              </a:solidFill>
-              <a:ea typeface="Arial"/>
-              <a:cs typeface="Arial"/>
-              <a:sym typeface="Arial"/>
-            </a:endParaRPr>
           </a:p>
         </p:txBody>
       </p:sp>
@@ -5749,17 +5651,33 @@
               </a:rPr>
               <a:t> Sai</a:t>
             </a:r>
-            <a:endParaRPr lang="en-US" i="1" kern="0" dirty="0">
-              <a:solidFill>
-                <a:srgbClr val="EA7600"/>
-              </a:solidFill>
-              <a:ea typeface="Arial"/>
-              <a:cs typeface="Arial"/>
-              <a:sym typeface="Arial"/>
-            </a:endParaRPr>
-          </a:p>
-        </p:txBody>
-      </p:sp>
+          </a:p>
+        </p:txBody>
+      </p:sp>
+      <p:pic>
+        <p:nvPicPr>
+          <p:cNvPr id="11" name="Picture 10"/>
+          <p:cNvPicPr>
+            <a:picLocks noChangeAspect="1"/>
+          </p:cNvPicPr>
+          <p:nvPr/>
+        </p:nvPicPr>
+        <p:blipFill>
+          <a:blip r:embed="rId3"/>
+          <a:stretch>
+            <a:fillRect/>
+          </a:stretch>
+        </p:blipFill>
+        <p:spPr>
+          <a:xfrm>
+            <a:off x="7714022" y="867467"/>
+            <a:ext cx="1417946" cy="1533539"/>
+          </a:xfrm>
+          <a:prstGeom prst="rect">
+            <a:avLst/>
+          </a:prstGeom>
+        </p:spPr>
+      </p:pic>
     </p:spTree>
     <p:extLst>
       <p:ext uri="{BB962C8B-B14F-4D97-AF65-F5344CB8AC3E}">
@@ -5831,17 +5749,6 @@
               </a:rPr>
               <a:t>Unison</a:t>
             </a:r>
-            <a:endParaRPr lang="en-US" sz="2400" b="1" i="1" kern="0" dirty="0">
-              <a:solidFill>
-                <a:schemeClr val="tx1">
-                  <a:lumMod val="50000"/>
-                  <a:lumOff val="50000"/>
-                </a:schemeClr>
-              </a:solidFill>
-              <a:ea typeface="Arial"/>
-              <a:cs typeface="Arial"/>
-              <a:sym typeface="Arial"/>
-            </a:endParaRPr>
           </a:p>
         </p:txBody>
       </p:sp>
@@ -5878,16 +5785,6 @@
               </a:rPr>
               <a:t>Next: Divine Guiding Principle</a:t>
             </a:r>
-            <a:endParaRPr lang="en-US" b="1" i="1" kern="0" dirty="0">
-              <a:solidFill>
-                <a:schemeClr val="bg1">
-                  <a:lumMod val="50000"/>
-                </a:schemeClr>
-              </a:solidFill>
-              <a:ea typeface="Arial"/>
-              <a:cs typeface="Arial"/>
-              <a:sym typeface="Arial"/>
-            </a:endParaRPr>
           </a:p>
         </p:txBody>
       </p:sp>
@@ -5926,35 +5823,6 @@
       </p:sp>
       <p:pic>
         <p:nvPicPr>
-          <p:cNvPr id="8" name="Picture 7"/>
-          <p:cNvPicPr>
-            <a:picLocks noChangeAspect="1"/>
-          </p:cNvPicPr>
-          <p:nvPr/>
-        </p:nvPicPr>
-        <p:blipFill rotWithShape="1">
-          <a:blip r:embed="rId2">
-            <a:extLst>
-              <a:ext uri="{28A0092B-C50C-407E-A947-70E740481C1C}">
-                <a14:useLocalDpi xmlns:a14="http://schemas.microsoft.com/office/drawing/2010/main" val="0"/>
-              </a:ext>
-            </a:extLst>
-          </a:blip>
-          <a:srcRect l="5103" t="12791" r="8163" b="6380"/>
-          <a:stretch/>
-        </p:blipFill>
-        <p:spPr>
-          <a:xfrm>
-            <a:off x="8079115" y="857250"/>
-            <a:ext cx="1041137" cy="1164733"/>
-          </a:xfrm>
-          <a:prstGeom prst="rect">
-            <a:avLst/>
-          </a:prstGeom>
-        </p:spPr>
-      </p:pic>
-      <p:pic>
-        <p:nvPicPr>
           <p:cNvPr id="9" name="Picture 8"/>
           <p:cNvPicPr>
             <a:picLocks noChangeAspect="1"/>
@@ -5962,7 +5830,7 @@
           <p:nvPr/>
         </p:nvPicPr>
         <p:blipFill>
-          <a:blip r:embed="rId3">
+          <a:blip r:embed="rId2">
             <a:extLst>
               <a:ext uri="{28A0092B-C50C-407E-A947-70E740481C1C}">
                 <a14:useLocalDpi xmlns:a14="http://schemas.microsoft.com/office/drawing/2010/main" val="0"/>
@@ -5991,7 +5859,7 @@
         </p:nvSpPr>
         <p:spPr>
           <a:xfrm>
-            <a:off x="41788" y="2379991"/>
+            <a:off x="-18372" y="2379991"/>
             <a:ext cx="9102212" cy="2517313"/>
           </a:xfrm>
           <a:prstGeom prst="rect">
@@ -6004,29 +5872,7 @@
           <a:lstStyle/>
           <a:p>
             <a:pPr algn="ctr" defTabSz="457155"/>
-            <a:r>
-              <a:rPr lang="en-US" sz="2800" b="1" kern="0" dirty="0">
-                <a:solidFill>
-                  <a:srgbClr val="004C97"/>
-                </a:solidFill>
-                <a:ea typeface="Arial"/>
-                <a:cs typeface="Arial"/>
-                <a:sym typeface="Arial"/>
-              </a:rPr>
-              <a:t>Sacred, holy and Supreme is Baba’s </a:t>
-            </a:r>
-            <a:r>
-              <a:rPr lang="en-US" sz="2800" b="1" kern="0" dirty="0" err="1">
-                <a:solidFill>
-                  <a:srgbClr val="004C97"/>
-                </a:solidFill>
-                <a:ea typeface="Arial"/>
-                <a:cs typeface="Arial"/>
-                <a:sym typeface="Arial"/>
-              </a:rPr>
-              <a:t>vibhuti</a:t>
-            </a:r>
-            <a:endParaRPr lang="en-US" sz="2800" b="1" kern="0" dirty="0">
+            <a:endParaRPr lang="en-US" sz="2800" b="1" kern="0" dirty="0" smtClean="0">
               <a:solidFill>
                 <a:srgbClr val="004C97"/>
               </a:solidFill>
@@ -6034,89 +5880,6 @@
               <a:cs typeface="Arial"/>
               <a:sym typeface="Arial"/>
             </a:endParaRPr>
-          </a:p>
-          <a:p>
-            <a:pPr algn="ctr" defTabSz="457155"/>
-            <a:r>
-              <a:rPr lang="en-US" sz="2800" b="1" kern="0" dirty="0">
-                <a:solidFill>
-                  <a:srgbClr val="004C97"/>
-                </a:solidFill>
-                <a:ea typeface="Arial"/>
-                <a:cs typeface="Arial"/>
-                <a:sym typeface="Arial"/>
-              </a:rPr>
-              <a:t>Pouring forth in brilliant stream – this play of </a:t>
-            </a:r>
-            <a:r>
-              <a:rPr lang="en-US" sz="2800" b="1" kern="0" dirty="0" err="1">
-                <a:solidFill>
-                  <a:srgbClr val="004C97"/>
-                </a:solidFill>
-                <a:ea typeface="Arial"/>
-                <a:cs typeface="Arial"/>
-                <a:sym typeface="Arial"/>
-              </a:rPr>
-              <a:t>vibhuti</a:t>
-            </a:r>
-            <a:endParaRPr lang="en-US" sz="2800" b="1" kern="0" dirty="0">
-              <a:solidFill>
-                <a:srgbClr val="004C97"/>
-              </a:solidFill>
-              <a:ea typeface="Arial"/>
-              <a:cs typeface="Arial"/>
-              <a:sym typeface="Arial"/>
-            </a:endParaRPr>
-          </a:p>
-          <a:p>
-            <a:pPr algn="ctr" defTabSz="457155"/>
-            <a:r>
-              <a:rPr lang="en-US" sz="2800" b="1" kern="0" dirty="0">
-                <a:solidFill>
-                  <a:srgbClr val="004C97"/>
-                </a:solidFill>
-                <a:ea typeface="Arial"/>
-                <a:cs typeface="Arial"/>
-                <a:sym typeface="Arial"/>
-              </a:rPr>
-              <a:t>So auspicious is its might, it grants liberation</a:t>
-            </a:r>
-          </a:p>
-          <a:p>
-            <a:pPr algn="ctr" defTabSz="457155"/>
-            <a:r>
-              <a:rPr lang="en-US" sz="2800" b="1" kern="0" dirty="0">
-                <a:solidFill>
-                  <a:srgbClr val="004C97"/>
-                </a:solidFill>
-                <a:ea typeface="Arial"/>
-                <a:cs typeface="Arial"/>
-                <a:sym typeface="Arial"/>
-              </a:rPr>
-              <a:t>Baba’s </a:t>
-            </a:r>
-            <a:r>
-              <a:rPr lang="en-US" sz="2800" b="1" kern="0" dirty="0" err="1">
-                <a:solidFill>
-                  <a:srgbClr val="004C97"/>
-                </a:solidFill>
-                <a:ea typeface="Arial"/>
-                <a:cs typeface="Arial"/>
-                <a:sym typeface="Arial"/>
-              </a:rPr>
-              <a:t>vibhuti</a:t>
-            </a:r>
-            <a:r>
-              <a:rPr lang="en-US" sz="2800" b="1" kern="0" dirty="0">
-                <a:solidFill>
-                  <a:srgbClr val="004C97"/>
-                </a:solidFill>
-                <a:ea typeface="Arial"/>
-                <a:cs typeface="Arial"/>
-                <a:sym typeface="Arial"/>
-              </a:rPr>
-              <a:t> – its power protects me.</a:t>
-            </a:r>
           </a:p>
           <a:p>
             <a:pPr algn="ctr" defTabSz="457155"/>
@@ -6132,7 +5895,134 @@
           <a:p>
             <a:pPr algn="ctr" defTabSz="457155"/>
             <a:r>
-              <a:rPr lang="en-US" sz="2800" b="1" kern="0" dirty="0" err="1">
+              <a:rPr lang="en-US" sz="2800" b="1" kern="0" dirty="0" smtClean="0">
+                <a:solidFill>
+                  <a:srgbClr val="004C97"/>
+                </a:solidFill>
+                <a:ea typeface="Arial"/>
+                <a:cs typeface="Arial"/>
+                <a:sym typeface="Arial"/>
+              </a:rPr>
+              <a:t>Sacred</a:t>
+            </a:r>
+            <a:r>
+              <a:rPr lang="en-US" sz="2800" b="1" kern="0" dirty="0">
+                <a:solidFill>
+                  <a:srgbClr val="004C97"/>
+                </a:solidFill>
+                <a:ea typeface="Arial"/>
+                <a:cs typeface="Arial"/>
+                <a:sym typeface="Arial"/>
+              </a:rPr>
+              <a:t>, holy and Supreme is Baba’s </a:t>
+            </a:r>
+            <a:r>
+              <a:rPr lang="en-US" sz="2800" b="1" kern="0" dirty="0" err="1">
+                <a:solidFill>
+                  <a:srgbClr val="004C97"/>
+                </a:solidFill>
+                <a:ea typeface="Arial"/>
+                <a:cs typeface="Arial"/>
+                <a:sym typeface="Arial"/>
+              </a:rPr>
+              <a:t>vibhuti</a:t>
+            </a:r>
+            <a:endParaRPr lang="en-US" sz="2800" b="1" kern="0" dirty="0">
+              <a:solidFill>
+                <a:srgbClr val="004C97"/>
+              </a:solidFill>
+              <a:ea typeface="Arial"/>
+              <a:cs typeface="Arial"/>
+              <a:sym typeface="Arial"/>
+            </a:endParaRPr>
+          </a:p>
+          <a:p>
+            <a:pPr algn="ctr" defTabSz="457155"/>
+            <a:r>
+              <a:rPr lang="en-US" sz="2800" b="1" kern="0" dirty="0">
+                <a:solidFill>
+                  <a:srgbClr val="004C97"/>
+                </a:solidFill>
+                <a:ea typeface="Arial"/>
+                <a:cs typeface="Arial"/>
+                <a:sym typeface="Arial"/>
+              </a:rPr>
+              <a:t>Pouring forth in brilliant stream – this play of </a:t>
+            </a:r>
+            <a:r>
+              <a:rPr lang="en-US" sz="2800" b="1" kern="0" dirty="0" err="1">
+                <a:solidFill>
+                  <a:srgbClr val="004C97"/>
+                </a:solidFill>
+                <a:ea typeface="Arial"/>
+                <a:cs typeface="Arial"/>
+                <a:sym typeface="Arial"/>
+              </a:rPr>
+              <a:t>vibhuti</a:t>
+            </a:r>
+            <a:endParaRPr lang="en-US" sz="2800" b="1" kern="0" dirty="0">
+              <a:solidFill>
+                <a:srgbClr val="004C97"/>
+              </a:solidFill>
+              <a:ea typeface="Arial"/>
+              <a:cs typeface="Arial"/>
+              <a:sym typeface="Arial"/>
+            </a:endParaRPr>
+          </a:p>
+          <a:p>
+            <a:pPr algn="ctr" defTabSz="457155"/>
+            <a:r>
+              <a:rPr lang="en-US" sz="2800" b="1" kern="0" dirty="0">
+                <a:solidFill>
+                  <a:srgbClr val="004C97"/>
+                </a:solidFill>
+                <a:ea typeface="Arial"/>
+                <a:cs typeface="Arial"/>
+                <a:sym typeface="Arial"/>
+              </a:rPr>
+              <a:t>So auspicious is its might, it grants liberation</a:t>
+            </a:r>
+          </a:p>
+          <a:p>
+            <a:pPr algn="ctr" defTabSz="457155"/>
+            <a:r>
+              <a:rPr lang="en-US" sz="2800" b="1" kern="0" dirty="0">
+                <a:solidFill>
+                  <a:srgbClr val="004C97"/>
+                </a:solidFill>
+                <a:ea typeface="Arial"/>
+                <a:cs typeface="Arial"/>
+                <a:sym typeface="Arial"/>
+              </a:rPr>
+              <a:t>Baba’s </a:t>
+            </a:r>
+            <a:r>
+              <a:rPr lang="en-US" sz="2800" b="1" kern="0" dirty="0" err="1">
+                <a:solidFill>
+                  <a:srgbClr val="004C97"/>
+                </a:solidFill>
+                <a:ea typeface="Arial"/>
+                <a:cs typeface="Arial"/>
+                <a:sym typeface="Arial"/>
+              </a:rPr>
+              <a:t>vibhuti</a:t>
+            </a:r>
+            <a:r>
+              <a:rPr lang="en-US" sz="2800" b="1" kern="0" dirty="0">
+                <a:solidFill>
+                  <a:srgbClr val="004C97"/>
+                </a:solidFill>
+                <a:ea typeface="Arial"/>
+                <a:cs typeface="Arial"/>
+                <a:sym typeface="Arial"/>
+              </a:rPr>
+              <a:t> – its power protects me.</a:t>
+            </a:r>
+          </a:p>
+          <a:p>
+            <a:pPr algn="ctr" defTabSz="457155"/>
+            <a:r>
+              <a:rPr lang="en-US" sz="2800" b="1" kern="0" dirty="0" err="1" smtClean="0">
                 <a:solidFill>
                   <a:srgbClr val="EA7600"/>
                 </a:solidFill>
@@ -6143,7 +6033,7 @@
               <a:t>Paramam</a:t>
             </a:r>
             <a:r>
-              <a:rPr lang="en-US" sz="2800" b="1" kern="0" dirty="0">
+              <a:rPr lang="en-US" sz="2800" b="1" kern="0" dirty="0" smtClean="0">
                 <a:solidFill>
                   <a:srgbClr val="EA7600"/>
                 </a:solidFill>
@@ -6426,6 +6316,30 @@
           </a:p>
         </p:txBody>
       </p:sp>
+      <p:pic>
+        <p:nvPicPr>
+          <p:cNvPr id="10" name="Picture 9"/>
+          <p:cNvPicPr>
+            <a:picLocks noChangeAspect="1"/>
+          </p:cNvPicPr>
+          <p:nvPr/>
+        </p:nvPicPr>
+        <p:blipFill>
+          <a:blip r:embed="rId3"/>
+          <a:stretch>
+            <a:fillRect/>
+          </a:stretch>
+        </p:blipFill>
+        <p:spPr>
+          <a:xfrm>
+            <a:off x="7714022" y="867467"/>
+            <a:ext cx="1417946" cy="1533539"/>
+          </a:xfrm>
+          <a:prstGeom prst="rect">
+            <a:avLst/>
+          </a:prstGeom>
+        </p:spPr>
+      </p:pic>
     </p:spTree>
     <p:extLst>
       <p:ext uri="{BB962C8B-B14F-4D97-AF65-F5344CB8AC3E}">
@@ -6497,17 +6411,6 @@
               </a:rPr>
               <a:t>Unison</a:t>
             </a:r>
-            <a:endParaRPr lang="en-US" sz="2400" b="1" i="1" kern="0" dirty="0">
-              <a:solidFill>
-                <a:schemeClr val="tx1">
-                  <a:lumMod val="50000"/>
-                  <a:lumOff val="50000"/>
-                </a:schemeClr>
-              </a:solidFill>
-              <a:ea typeface="Arial"/>
-              <a:cs typeface="Arial"/>
-              <a:sym typeface="Arial"/>
-            </a:endParaRPr>
           </a:p>
         </p:txBody>
       </p:sp>
@@ -6605,35 +6508,6 @@
       </p:sp>
       <p:pic>
         <p:nvPicPr>
-          <p:cNvPr id="8" name="Picture 7"/>
-          <p:cNvPicPr>
-            <a:picLocks noChangeAspect="1"/>
-          </p:cNvPicPr>
-          <p:nvPr/>
-        </p:nvPicPr>
-        <p:blipFill rotWithShape="1">
-          <a:blip r:embed="rId2">
-            <a:extLst>
-              <a:ext uri="{28A0092B-C50C-407E-A947-70E740481C1C}">
-                <a14:useLocalDpi xmlns:a14="http://schemas.microsoft.com/office/drawing/2010/main" val="0"/>
-              </a:ext>
-            </a:extLst>
-          </a:blip>
-          <a:srcRect l="5103" t="12791" r="8163" b="6380"/>
-          <a:stretch/>
-        </p:blipFill>
-        <p:spPr>
-          <a:xfrm>
-            <a:off x="8079115" y="857250"/>
-            <a:ext cx="1041137" cy="1164733"/>
-          </a:xfrm>
-          <a:prstGeom prst="rect">
-            <a:avLst/>
-          </a:prstGeom>
-        </p:spPr>
-      </p:pic>
-      <p:pic>
-        <p:nvPicPr>
           <p:cNvPr id="9" name="Picture 8"/>
           <p:cNvPicPr>
             <a:picLocks noChangeAspect="1"/>
@@ -6641,7 +6515,7 @@
           <p:nvPr/>
         </p:nvPicPr>
         <p:blipFill>
-          <a:blip r:embed="rId3">
+          <a:blip r:embed="rId2">
             <a:extLst>
               <a:ext uri="{28A0092B-C50C-407E-A947-70E740481C1C}">
                 <a14:useLocalDpi xmlns:a14="http://schemas.microsoft.com/office/drawing/2010/main" val="0"/>
@@ -6956,6 +6830,30 @@
           </a:p>
         </p:txBody>
       </p:sp>
+      <p:pic>
+        <p:nvPicPr>
+          <p:cNvPr id="10" name="Picture 9"/>
+          <p:cNvPicPr>
+            <a:picLocks noChangeAspect="1"/>
+          </p:cNvPicPr>
+          <p:nvPr/>
+        </p:nvPicPr>
+        <p:blipFill>
+          <a:blip r:embed="rId3"/>
+          <a:stretch>
+            <a:fillRect/>
+          </a:stretch>
+        </p:blipFill>
+        <p:spPr>
+          <a:xfrm>
+            <a:off x="7714022" y="867467"/>
+            <a:ext cx="1417946" cy="1533539"/>
+          </a:xfrm>
+          <a:prstGeom prst="rect">
+            <a:avLst/>
+          </a:prstGeom>
+        </p:spPr>
+      </p:pic>
     </p:spTree>
     <p:extLst>
       <p:ext uri="{BB962C8B-B14F-4D97-AF65-F5344CB8AC3E}">
@@ -7027,17 +6925,6 @@
               </a:rPr>
               <a:t>Unison</a:t>
             </a:r>
-            <a:endParaRPr lang="en-US" sz="2400" b="1" i="1" kern="0" dirty="0">
-              <a:solidFill>
-                <a:schemeClr val="tx1">
-                  <a:lumMod val="50000"/>
-                  <a:lumOff val="50000"/>
-                </a:schemeClr>
-              </a:solidFill>
-              <a:ea typeface="Arial"/>
-              <a:cs typeface="Arial"/>
-              <a:sym typeface="Arial"/>
-            </a:endParaRPr>
           </a:p>
         </p:txBody>
       </p:sp>
@@ -7074,16 +6961,6 @@
               </a:rPr>
               <a:t>Next: With Captivating Grace and Loveliness </a:t>
             </a:r>
-            <a:endParaRPr lang="en-US" b="1" i="1" kern="0" dirty="0">
-              <a:solidFill>
-                <a:schemeClr val="bg1">
-                  <a:lumMod val="50000"/>
-                </a:schemeClr>
-              </a:solidFill>
-              <a:ea typeface="Arial"/>
-              <a:cs typeface="Arial"/>
-              <a:sym typeface="Arial"/>
-            </a:endParaRPr>
           </a:p>
         </p:txBody>
       </p:sp>
@@ -7122,35 +6999,6 @@
       </p:sp>
       <p:pic>
         <p:nvPicPr>
-          <p:cNvPr id="8" name="Picture 7"/>
-          <p:cNvPicPr>
-            <a:picLocks noChangeAspect="1"/>
-          </p:cNvPicPr>
-          <p:nvPr/>
-        </p:nvPicPr>
-        <p:blipFill rotWithShape="1">
-          <a:blip r:embed="rId2">
-            <a:extLst>
-              <a:ext uri="{28A0092B-C50C-407E-A947-70E740481C1C}">
-                <a14:useLocalDpi xmlns:a14="http://schemas.microsoft.com/office/drawing/2010/main" val="0"/>
-              </a:ext>
-            </a:extLst>
-          </a:blip>
-          <a:srcRect l="5103" t="12791" r="8163" b="6380"/>
-          <a:stretch/>
-        </p:blipFill>
-        <p:spPr>
-          <a:xfrm>
-            <a:off x="8079115" y="857250"/>
-            <a:ext cx="1041137" cy="1164733"/>
-          </a:xfrm>
-          <a:prstGeom prst="rect">
-            <a:avLst/>
-          </a:prstGeom>
-        </p:spPr>
-      </p:pic>
-      <p:pic>
-        <p:nvPicPr>
           <p:cNvPr id="9" name="Picture 8"/>
           <p:cNvPicPr>
             <a:picLocks noChangeAspect="1"/>
@@ -7158,7 +7006,7 @@
           <p:nvPr/>
         </p:nvPicPr>
         <p:blipFill>
-          <a:blip r:embed="rId3">
+          <a:blip r:embed="rId2">
             <a:extLst>
               <a:ext uri="{28A0092B-C50C-407E-A947-70E740481C1C}">
                 <a14:useLocalDpi xmlns:a14="http://schemas.microsoft.com/office/drawing/2010/main" val="0"/>
@@ -7303,17 +7151,33 @@
               </a:rPr>
               <a:t>All praise to You Lord of the Worlds</a:t>
             </a:r>
-            <a:endParaRPr lang="en-US" sz="2800" b="1" kern="0" dirty="0">
-              <a:solidFill>
-                <a:srgbClr val="004C97"/>
-              </a:solidFill>
-              <a:ea typeface="Arial"/>
-              <a:cs typeface="Arial"/>
-              <a:sym typeface="Arial"/>
-            </a:endParaRPr>
-          </a:p>
-        </p:txBody>
-      </p:sp>
+          </a:p>
+        </p:txBody>
+      </p:sp>
+      <p:pic>
+        <p:nvPicPr>
+          <p:cNvPr id="10" name="Picture 9"/>
+          <p:cNvPicPr>
+            <a:picLocks noChangeAspect="1"/>
+          </p:cNvPicPr>
+          <p:nvPr/>
+        </p:nvPicPr>
+        <p:blipFill>
+          <a:blip r:embed="rId3"/>
+          <a:stretch>
+            <a:fillRect/>
+          </a:stretch>
+        </p:blipFill>
+        <p:spPr>
+          <a:xfrm>
+            <a:off x="7714022" y="867467"/>
+            <a:ext cx="1417946" cy="1533539"/>
+          </a:xfrm>
+          <a:prstGeom prst="rect">
+            <a:avLst/>
+          </a:prstGeom>
+        </p:spPr>
+      </p:pic>
     </p:spTree>
     <p:extLst>
       <p:ext uri="{BB962C8B-B14F-4D97-AF65-F5344CB8AC3E}">
@@ -7385,17 +7249,6 @@
               </a:rPr>
               <a:t>Unison</a:t>
             </a:r>
-            <a:endParaRPr lang="en-US" sz="2400" b="1" i="1" kern="0" dirty="0">
-              <a:solidFill>
-                <a:schemeClr val="tx1">
-                  <a:lumMod val="50000"/>
-                  <a:lumOff val="50000"/>
-                </a:schemeClr>
-              </a:solidFill>
-              <a:ea typeface="Arial"/>
-              <a:cs typeface="Arial"/>
-              <a:sym typeface="Arial"/>
-            </a:endParaRPr>
           </a:p>
         </p:txBody>
       </p:sp>
@@ -7432,16 +7285,6 @@
               </a:rPr>
               <a:t>Next: Mother Father Teacher and Lord</a:t>
             </a:r>
-            <a:endParaRPr lang="en-US" b="1" i="1" kern="0" dirty="0">
-              <a:solidFill>
-                <a:schemeClr val="bg1">
-                  <a:lumMod val="50000"/>
-                </a:schemeClr>
-              </a:solidFill>
-              <a:ea typeface="Arial"/>
-              <a:cs typeface="Arial"/>
-              <a:sym typeface="Arial"/>
-            </a:endParaRPr>
           </a:p>
         </p:txBody>
       </p:sp>
@@ -7480,35 +7323,6 @@
       </p:sp>
       <p:pic>
         <p:nvPicPr>
-          <p:cNvPr id="8" name="Picture 7"/>
-          <p:cNvPicPr>
-            <a:picLocks noChangeAspect="1"/>
-          </p:cNvPicPr>
-          <p:nvPr/>
-        </p:nvPicPr>
-        <p:blipFill rotWithShape="1">
-          <a:blip r:embed="rId2">
-            <a:extLst>
-              <a:ext uri="{28A0092B-C50C-407E-A947-70E740481C1C}">
-                <a14:useLocalDpi xmlns:a14="http://schemas.microsoft.com/office/drawing/2010/main" val="0"/>
-              </a:ext>
-            </a:extLst>
-          </a:blip>
-          <a:srcRect l="5103" t="12791" r="8163" b="6380"/>
-          <a:stretch/>
-        </p:blipFill>
-        <p:spPr>
-          <a:xfrm>
-            <a:off x="8079115" y="857250"/>
-            <a:ext cx="1041137" cy="1164733"/>
-          </a:xfrm>
-          <a:prstGeom prst="rect">
-            <a:avLst/>
-          </a:prstGeom>
-        </p:spPr>
-      </p:pic>
-      <p:pic>
-        <p:nvPicPr>
           <p:cNvPr id="9" name="Picture 8"/>
           <p:cNvPicPr>
             <a:picLocks noChangeAspect="1"/>
@@ -7516,7 +7330,7 @@
           <p:nvPr/>
         </p:nvPicPr>
         <p:blipFill>
-          <a:blip r:embed="rId3">
+          <a:blip r:embed="rId2">
             <a:extLst>
               <a:ext uri="{28A0092B-C50C-407E-A947-70E740481C1C}">
                 <a14:useLocalDpi xmlns:a14="http://schemas.microsoft.com/office/drawing/2010/main" val="0"/>
@@ -7653,17 +7467,33 @@
               </a:rPr>
               <a:t>All praise to You Lord of the Worlds</a:t>
             </a:r>
-            <a:endParaRPr lang="en-US" sz="2800" b="1" kern="0" dirty="0">
-              <a:solidFill>
-                <a:srgbClr val="004C97"/>
-              </a:solidFill>
-              <a:ea typeface="Arial"/>
-              <a:cs typeface="Arial"/>
-              <a:sym typeface="Arial"/>
-            </a:endParaRPr>
-          </a:p>
-        </p:txBody>
-      </p:sp>
+          </a:p>
+        </p:txBody>
+      </p:sp>
+      <p:pic>
+        <p:nvPicPr>
+          <p:cNvPr id="10" name="Picture 9"/>
+          <p:cNvPicPr>
+            <a:picLocks noChangeAspect="1"/>
+          </p:cNvPicPr>
+          <p:nvPr/>
+        </p:nvPicPr>
+        <p:blipFill>
+          <a:blip r:embed="rId3"/>
+          <a:stretch>
+            <a:fillRect/>
+          </a:stretch>
+        </p:blipFill>
+        <p:spPr>
+          <a:xfrm>
+            <a:off x="7714022" y="867467"/>
+            <a:ext cx="1417946" cy="1533539"/>
+          </a:xfrm>
+          <a:prstGeom prst="rect">
+            <a:avLst/>
+          </a:prstGeom>
+        </p:spPr>
+      </p:pic>
     </p:spTree>
     <p:extLst>
       <p:ext uri="{BB962C8B-B14F-4D97-AF65-F5344CB8AC3E}">
@@ -7735,17 +7565,6 @@
               </a:rPr>
               <a:t>Unison</a:t>
             </a:r>
-            <a:endParaRPr lang="en-US" sz="2400" b="1" i="1" kern="0" dirty="0">
-              <a:solidFill>
-                <a:schemeClr val="tx1">
-                  <a:lumMod val="50000"/>
-                  <a:lumOff val="50000"/>
-                </a:schemeClr>
-              </a:solidFill>
-              <a:ea typeface="Arial"/>
-              <a:cs typeface="Arial"/>
-              <a:sym typeface="Arial"/>
-            </a:endParaRPr>
           </a:p>
         </p:txBody>
       </p:sp>
@@ -7782,16 +7601,6 @@
               </a:rPr>
               <a:t>Next: You are the word of God Pure and Bright</a:t>
             </a:r>
-            <a:endParaRPr lang="en-US" b="1" i="1" kern="0" dirty="0">
-              <a:solidFill>
-                <a:schemeClr val="bg1">
-                  <a:lumMod val="50000"/>
-                </a:schemeClr>
-              </a:solidFill>
-              <a:ea typeface="Arial"/>
-              <a:cs typeface="Arial"/>
-              <a:sym typeface="Arial"/>
-            </a:endParaRPr>
           </a:p>
         </p:txBody>
       </p:sp>
@@ -7830,35 +7639,6 @@
       </p:sp>
       <p:pic>
         <p:nvPicPr>
-          <p:cNvPr id="8" name="Picture 7"/>
-          <p:cNvPicPr>
-            <a:picLocks noChangeAspect="1"/>
-          </p:cNvPicPr>
-          <p:nvPr/>
-        </p:nvPicPr>
-        <p:blipFill rotWithShape="1">
-          <a:blip r:embed="rId2">
-            <a:extLst>
-              <a:ext uri="{28A0092B-C50C-407E-A947-70E740481C1C}">
-                <a14:useLocalDpi xmlns:a14="http://schemas.microsoft.com/office/drawing/2010/main" val="0"/>
-              </a:ext>
-            </a:extLst>
-          </a:blip>
-          <a:srcRect l="5103" t="12791" r="8163" b="6380"/>
-          <a:stretch/>
-        </p:blipFill>
-        <p:spPr>
-          <a:xfrm>
-            <a:off x="8079115" y="857250"/>
-            <a:ext cx="1041137" cy="1164733"/>
-          </a:xfrm>
-          <a:prstGeom prst="rect">
-            <a:avLst/>
-          </a:prstGeom>
-        </p:spPr>
-      </p:pic>
-      <p:pic>
-        <p:nvPicPr>
           <p:cNvPr id="9" name="Picture 8"/>
           <p:cNvPicPr>
             <a:picLocks noChangeAspect="1"/>
@@ -7866,7 +7646,7 @@
           <p:nvPr/>
         </p:nvPicPr>
         <p:blipFill>
-          <a:blip r:embed="rId3">
+          <a:blip r:embed="rId2">
             <a:extLst>
               <a:ext uri="{28A0092B-C50C-407E-A947-70E740481C1C}">
                 <a14:useLocalDpi xmlns:a14="http://schemas.microsoft.com/office/drawing/2010/main" val="0"/>
@@ -8003,17 +7783,33 @@
               </a:rPr>
               <a:t>Our unity with You Lord of the Worlds</a:t>
             </a:r>
-            <a:endParaRPr lang="en-US" sz="2800" b="1" kern="0" dirty="0">
-              <a:solidFill>
-                <a:srgbClr val="004C97"/>
-              </a:solidFill>
-              <a:ea typeface="Arial"/>
-              <a:cs typeface="Arial"/>
-              <a:sym typeface="Arial"/>
-            </a:endParaRPr>
-          </a:p>
-        </p:txBody>
-      </p:sp>
+          </a:p>
+        </p:txBody>
+      </p:sp>
+      <p:pic>
+        <p:nvPicPr>
+          <p:cNvPr id="10" name="Picture 9"/>
+          <p:cNvPicPr>
+            <a:picLocks noChangeAspect="1"/>
+          </p:cNvPicPr>
+          <p:nvPr/>
+        </p:nvPicPr>
+        <p:blipFill>
+          <a:blip r:embed="rId3"/>
+          <a:stretch>
+            <a:fillRect/>
+          </a:stretch>
+        </p:blipFill>
+        <p:spPr>
+          <a:xfrm>
+            <a:off x="7714022" y="867467"/>
+            <a:ext cx="1417946" cy="1533539"/>
+          </a:xfrm>
+          <a:prstGeom prst="rect">
+            <a:avLst/>
+          </a:prstGeom>
+        </p:spPr>
+      </p:pic>
     </p:spTree>
     <p:extLst>
       <p:ext uri="{BB962C8B-B14F-4D97-AF65-F5344CB8AC3E}">
@@ -8085,17 +7881,6 @@
               </a:rPr>
               <a:t>Unison</a:t>
             </a:r>
-            <a:endParaRPr lang="en-US" sz="2400" b="1" i="1" kern="0" dirty="0">
-              <a:solidFill>
-                <a:schemeClr val="tx1">
-                  <a:lumMod val="50000"/>
-                  <a:lumOff val="50000"/>
-                </a:schemeClr>
-              </a:solidFill>
-              <a:ea typeface="Arial"/>
-              <a:cs typeface="Arial"/>
-              <a:sym typeface="Arial"/>
-            </a:endParaRPr>
           </a:p>
         </p:txBody>
       </p:sp>
@@ -8219,35 +8004,6 @@
       </p:sp>
       <p:pic>
         <p:nvPicPr>
-          <p:cNvPr id="8" name="Picture 7"/>
-          <p:cNvPicPr>
-            <a:picLocks noChangeAspect="1"/>
-          </p:cNvPicPr>
-          <p:nvPr/>
-        </p:nvPicPr>
-        <p:blipFill rotWithShape="1">
-          <a:blip r:embed="rId2">
-            <a:extLst>
-              <a:ext uri="{28A0092B-C50C-407E-A947-70E740481C1C}">
-                <a14:useLocalDpi xmlns:a14="http://schemas.microsoft.com/office/drawing/2010/main" val="0"/>
-              </a:ext>
-            </a:extLst>
-          </a:blip>
-          <a:srcRect l="5103" t="12791" r="8163" b="6380"/>
-          <a:stretch/>
-        </p:blipFill>
-        <p:spPr>
-          <a:xfrm>
-            <a:off x="8079115" y="857250"/>
-            <a:ext cx="1041137" cy="1164733"/>
-          </a:xfrm>
-          <a:prstGeom prst="rect">
-            <a:avLst/>
-          </a:prstGeom>
-        </p:spPr>
-      </p:pic>
-      <p:pic>
-        <p:nvPicPr>
           <p:cNvPr id="9" name="Picture 8"/>
           <p:cNvPicPr>
             <a:picLocks noChangeAspect="1"/>
@@ -8255,7 +8011,7 @@
           <p:nvPr/>
         </p:nvPicPr>
         <p:blipFill>
-          <a:blip r:embed="rId3">
+          <a:blip r:embed="rId2">
             <a:extLst>
               <a:ext uri="{28A0092B-C50C-407E-A947-70E740481C1C}">
                 <a14:useLocalDpi xmlns:a14="http://schemas.microsoft.com/office/drawing/2010/main" val="0"/>
@@ -8284,7 +8040,7 @@
         </p:nvSpPr>
         <p:spPr>
           <a:xfrm>
-            <a:off x="18035" y="1797930"/>
+            <a:off x="-195331" y="1797930"/>
             <a:ext cx="9102212" cy="2517313"/>
           </a:xfrm>
           <a:prstGeom prst="rect">
@@ -8403,17 +8159,33 @@
               </a:rPr>
               <a:t>All praise to You Lord of the Worlds</a:t>
             </a:r>
-            <a:endParaRPr lang="en-US" sz="2800" b="1" kern="0" dirty="0">
-              <a:solidFill>
-                <a:srgbClr val="004C97"/>
-              </a:solidFill>
-              <a:ea typeface="Arial"/>
-              <a:cs typeface="Arial"/>
-              <a:sym typeface="Arial"/>
-            </a:endParaRPr>
-          </a:p>
-        </p:txBody>
-      </p:sp>
+          </a:p>
+        </p:txBody>
+      </p:sp>
+      <p:pic>
+        <p:nvPicPr>
+          <p:cNvPr id="10" name="Picture 9"/>
+          <p:cNvPicPr>
+            <a:picLocks noChangeAspect="1"/>
+          </p:cNvPicPr>
+          <p:nvPr/>
+        </p:nvPicPr>
+        <p:blipFill>
+          <a:blip r:embed="rId3"/>
+          <a:stretch>
+            <a:fillRect/>
+          </a:stretch>
+        </p:blipFill>
+        <p:spPr>
+          <a:xfrm>
+            <a:off x="7714022" y="867467"/>
+            <a:ext cx="1417946" cy="1533539"/>
+          </a:xfrm>
+          <a:prstGeom prst="rect">
+            <a:avLst/>
+          </a:prstGeom>
+        </p:spPr>
+      </p:pic>
     </p:spTree>
     <p:extLst>
       <p:ext uri="{BB962C8B-B14F-4D97-AF65-F5344CB8AC3E}">
@@ -8485,17 +8257,6 @@
               </a:rPr>
               <a:t>Unison</a:t>
             </a:r>
-            <a:endParaRPr lang="en-US" sz="2400" b="1" i="1" kern="0" dirty="0">
-              <a:solidFill>
-                <a:schemeClr val="tx1">
-                  <a:lumMod val="50000"/>
-                  <a:lumOff val="50000"/>
-                </a:schemeClr>
-              </a:solidFill>
-              <a:ea typeface="Arial"/>
-              <a:cs typeface="Arial"/>
-              <a:sym typeface="Arial"/>
-            </a:endParaRPr>
           </a:p>
         </p:txBody>
       </p:sp>
@@ -8671,35 +8432,6 @@
       </p:sp>
       <p:pic>
         <p:nvPicPr>
-          <p:cNvPr id="8" name="Picture 7"/>
-          <p:cNvPicPr>
-            <a:picLocks noChangeAspect="1"/>
-          </p:cNvPicPr>
-          <p:nvPr/>
-        </p:nvPicPr>
-        <p:blipFill rotWithShape="1">
-          <a:blip r:embed="rId2">
-            <a:extLst>
-              <a:ext uri="{28A0092B-C50C-407E-A947-70E740481C1C}">
-                <a14:useLocalDpi xmlns:a14="http://schemas.microsoft.com/office/drawing/2010/main" val="0"/>
-              </a:ext>
-            </a:extLst>
-          </a:blip>
-          <a:srcRect l="5103" t="12791" r="8163" b="6380"/>
-          <a:stretch/>
-        </p:blipFill>
-        <p:spPr>
-          <a:xfrm>
-            <a:off x="8079115" y="857250"/>
-            <a:ext cx="1041137" cy="1164733"/>
-          </a:xfrm>
-          <a:prstGeom prst="rect">
-            <a:avLst/>
-          </a:prstGeom>
-        </p:spPr>
-      </p:pic>
-      <p:pic>
-        <p:nvPicPr>
           <p:cNvPr id="9" name="Picture 8"/>
           <p:cNvPicPr>
             <a:picLocks noChangeAspect="1"/>
@@ -8707,7 +8439,7 @@
           <p:nvPr/>
         </p:nvPicPr>
         <p:blipFill>
-          <a:blip r:embed="rId3">
+          <a:blip r:embed="rId2">
             <a:extLst>
               <a:ext uri="{28A0092B-C50C-407E-A947-70E740481C1C}">
                 <a14:useLocalDpi xmlns:a14="http://schemas.microsoft.com/office/drawing/2010/main" val="0"/>
@@ -8736,7 +8468,7 @@
         </p:nvSpPr>
         <p:spPr>
           <a:xfrm>
-            <a:off x="18035" y="1797930"/>
+            <a:off x="18035" y="1870122"/>
             <a:ext cx="9102212" cy="2517313"/>
           </a:xfrm>
           <a:prstGeom prst="rect">
@@ -9069,6 +8801,30 @@
           </a:p>
         </p:txBody>
       </p:sp>
+      <p:pic>
+        <p:nvPicPr>
+          <p:cNvPr id="11" name="Picture 10"/>
+          <p:cNvPicPr>
+            <a:picLocks noChangeAspect="1"/>
+          </p:cNvPicPr>
+          <p:nvPr/>
+        </p:nvPicPr>
+        <p:blipFill>
+          <a:blip r:embed="rId3"/>
+          <a:stretch>
+            <a:fillRect/>
+          </a:stretch>
+        </p:blipFill>
+        <p:spPr>
+          <a:xfrm>
+            <a:off x="7714022" y="867467"/>
+            <a:ext cx="1417946" cy="1533539"/>
+          </a:xfrm>
+          <a:prstGeom prst="rect">
+            <a:avLst/>
+          </a:prstGeom>
+        </p:spPr>
+      </p:pic>
     </p:spTree>
     <p:extLst>
       <p:ext uri="{BB962C8B-B14F-4D97-AF65-F5344CB8AC3E}">
@@ -9140,17 +8896,6 @@
               </a:rPr>
               <a:t>Unison</a:t>
             </a:r>
-            <a:endParaRPr lang="en-US" sz="2400" b="1" i="1" kern="0" dirty="0">
-              <a:solidFill>
-                <a:schemeClr val="tx1">
-                  <a:lumMod val="50000"/>
-                  <a:lumOff val="50000"/>
-                </a:schemeClr>
-              </a:solidFill>
-              <a:ea typeface="Arial"/>
-              <a:cs typeface="Arial"/>
-              <a:sym typeface="Arial"/>
-            </a:endParaRPr>
           </a:p>
         </p:txBody>
       </p:sp>
@@ -9326,35 +9071,6 @@
       </p:sp>
       <p:pic>
         <p:nvPicPr>
-          <p:cNvPr id="8" name="Picture 7"/>
-          <p:cNvPicPr>
-            <a:picLocks noChangeAspect="1"/>
-          </p:cNvPicPr>
-          <p:nvPr/>
-        </p:nvPicPr>
-        <p:blipFill rotWithShape="1">
-          <a:blip r:embed="rId2">
-            <a:extLst>
-              <a:ext uri="{28A0092B-C50C-407E-A947-70E740481C1C}">
-                <a14:useLocalDpi xmlns:a14="http://schemas.microsoft.com/office/drawing/2010/main" val="0"/>
-              </a:ext>
-            </a:extLst>
-          </a:blip>
-          <a:srcRect l="5103" t="12791" r="8163" b="6380"/>
-          <a:stretch/>
-        </p:blipFill>
-        <p:spPr>
-          <a:xfrm>
-            <a:off x="8079115" y="857250"/>
-            <a:ext cx="1041137" cy="1164733"/>
-          </a:xfrm>
-          <a:prstGeom prst="rect">
-            <a:avLst/>
-          </a:prstGeom>
-        </p:spPr>
-      </p:pic>
-      <p:pic>
-        <p:nvPicPr>
           <p:cNvPr id="9" name="Picture 8"/>
           <p:cNvPicPr>
             <a:picLocks noChangeAspect="1"/>
@@ -9362,7 +9078,7 @@
           <p:nvPr/>
         </p:nvPicPr>
         <p:blipFill>
-          <a:blip r:embed="rId3">
+          <a:blip r:embed="rId2">
             <a:extLst>
               <a:ext uri="{28A0092B-C50C-407E-A947-70E740481C1C}">
                 <a14:useLocalDpi xmlns:a14="http://schemas.microsoft.com/office/drawing/2010/main" val="0"/>
@@ -9391,7 +9107,7 @@
         </p:nvSpPr>
         <p:spPr>
           <a:xfrm>
-            <a:off x="18035" y="1797930"/>
+            <a:off x="18035" y="2170912"/>
             <a:ext cx="9102212" cy="2517313"/>
           </a:xfrm>
           <a:prstGeom prst="rect">
@@ -9848,17 +9564,33 @@
               </a:rPr>
               <a:t>O Graceful and Charming as a full moon! O Auspicious One! O Lord Sai! Thou art the Indweller and life-force of all Beings; the wish-fulfilling divine creeper to those who have surrendered to Thee; and kinsman, protector, and friend in times of distress and calamities. Victory to Lord of Universe.</a:t>
             </a:r>
-            <a:endParaRPr lang="en-US" i="1" kern="0" dirty="0">
-              <a:solidFill>
-                <a:srgbClr val="EA7600"/>
-              </a:solidFill>
-              <a:ea typeface="Arial"/>
-              <a:cs typeface="Arial"/>
-              <a:sym typeface="Arial"/>
-            </a:endParaRPr>
-          </a:p>
-        </p:txBody>
-      </p:sp>
+          </a:p>
+        </p:txBody>
+      </p:sp>
+      <p:pic>
+        <p:nvPicPr>
+          <p:cNvPr id="11" name="Picture 10"/>
+          <p:cNvPicPr>
+            <a:picLocks noChangeAspect="1"/>
+          </p:cNvPicPr>
+          <p:nvPr/>
+        </p:nvPicPr>
+        <p:blipFill>
+          <a:blip r:embed="rId3"/>
+          <a:stretch>
+            <a:fillRect/>
+          </a:stretch>
+        </p:blipFill>
+        <p:spPr>
+          <a:xfrm>
+            <a:off x="7714022" y="867467"/>
+            <a:ext cx="1417946" cy="1533539"/>
+          </a:xfrm>
+          <a:prstGeom prst="rect">
+            <a:avLst/>
+          </a:prstGeom>
+        </p:spPr>
+      </p:pic>
     </p:spTree>
     <p:extLst>
       <p:ext uri="{BB962C8B-B14F-4D97-AF65-F5344CB8AC3E}">
@@ -9930,17 +9662,6 @@
               </a:rPr>
               <a:t>Unison</a:t>
             </a:r>
-            <a:endParaRPr lang="en-US" sz="2400" b="1" i="1" kern="0" dirty="0">
-              <a:solidFill>
-                <a:schemeClr val="tx1">
-                  <a:lumMod val="50000"/>
-                  <a:lumOff val="50000"/>
-                </a:schemeClr>
-              </a:solidFill>
-              <a:ea typeface="Arial"/>
-              <a:cs typeface="Arial"/>
-              <a:sym typeface="Arial"/>
-            </a:endParaRPr>
           </a:p>
         </p:txBody>
       </p:sp>
@@ -10116,35 +9837,6 @@
       </p:sp>
       <p:pic>
         <p:nvPicPr>
-          <p:cNvPr id="8" name="Picture 7"/>
-          <p:cNvPicPr>
-            <a:picLocks noChangeAspect="1"/>
-          </p:cNvPicPr>
-          <p:nvPr/>
-        </p:nvPicPr>
-        <p:blipFill rotWithShape="1">
-          <a:blip r:embed="rId2">
-            <a:extLst>
-              <a:ext uri="{28A0092B-C50C-407E-A947-70E740481C1C}">
-                <a14:useLocalDpi xmlns:a14="http://schemas.microsoft.com/office/drawing/2010/main" val="0"/>
-              </a:ext>
-            </a:extLst>
-          </a:blip>
-          <a:srcRect l="5103" t="12791" r="8163" b="6380"/>
-          <a:stretch/>
-        </p:blipFill>
-        <p:spPr>
-          <a:xfrm>
-            <a:off x="8079115" y="857250"/>
-            <a:ext cx="1041137" cy="1164733"/>
-          </a:xfrm>
-          <a:prstGeom prst="rect">
-            <a:avLst/>
-          </a:prstGeom>
-        </p:spPr>
-      </p:pic>
-      <p:pic>
-        <p:nvPicPr>
           <p:cNvPr id="9" name="Picture 8"/>
           <p:cNvPicPr>
             <a:picLocks noChangeAspect="1"/>
@@ -10152,7 +9844,7 @@
           <p:nvPr/>
         </p:nvPicPr>
         <p:blipFill>
-          <a:blip r:embed="rId3">
+          <a:blip r:embed="rId2">
             <a:extLst>
               <a:ext uri="{28A0092B-C50C-407E-A947-70E740481C1C}">
                 <a14:useLocalDpi xmlns:a14="http://schemas.microsoft.com/office/drawing/2010/main" val="0"/>
@@ -10181,7 +9873,7 @@
         </p:nvSpPr>
         <p:spPr>
           <a:xfrm>
-            <a:off x="18035" y="1797930"/>
+            <a:off x="18035" y="2146846"/>
             <a:ext cx="9102212" cy="2517313"/>
           </a:xfrm>
           <a:prstGeom prst="rect">
@@ -10577,17 +10269,33 @@
               </a:rPr>
               <a:t>O Lord Sai! Thou art Mother, Father, noble Teacher, Supreme Divinity, and everything to us. O Lord Universe! Thou art Primeval Sound and art reclined on coiled serpent.</a:t>
             </a:r>
-            <a:endParaRPr lang="en-US" i="1" kern="0" dirty="0">
-              <a:solidFill>
-                <a:srgbClr val="EA7600"/>
-              </a:solidFill>
-              <a:ea typeface="Arial"/>
-              <a:cs typeface="Arial"/>
-              <a:sym typeface="Arial"/>
-            </a:endParaRPr>
-          </a:p>
-        </p:txBody>
-      </p:sp>
+          </a:p>
+        </p:txBody>
+      </p:sp>
+      <p:pic>
+        <p:nvPicPr>
+          <p:cNvPr id="11" name="Picture 10"/>
+          <p:cNvPicPr>
+            <a:picLocks noChangeAspect="1"/>
+          </p:cNvPicPr>
+          <p:nvPr/>
+        </p:nvPicPr>
+        <p:blipFill>
+          <a:blip r:embed="rId3"/>
+          <a:stretch>
+            <a:fillRect/>
+          </a:stretch>
+        </p:blipFill>
+        <p:spPr>
+          <a:xfrm>
+            <a:off x="7714022" y="867467"/>
+            <a:ext cx="1417946" cy="1533539"/>
+          </a:xfrm>
+          <a:prstGeom prst="rect">
+            <a:avLst/>
+          </a:prstGeom>
+        </p:spPr>
+      </p:pic>
     </p:spTree>
     <p:extLst>
       <p:ext uri="{BB962C8B-B14F-4D97-AF65-F5344CB8AC3E}">
